--- a/Readme/Technical documentation/UML/A3 documentation template.pptx
+++ b/Readme/Technical documentation/UML/A3 documentation template.pptx
@@ -106,6 +106,22 @@
       </a:defRPr>
     </a:lvl9pPr>
   </p:defaultTextStyle>
+  <p:extLst>
+    <p:ext uri="{EFAFB233-063F-42B5-8137-9DF3F51BA10A}">
+      <p15:sldGuideLst xmlns:p15="http://schemas.microsoft.com/office/powerpoint/2012/main">
+        <p15:guide id="1" orient="horz" pos="3024">
+          <p15:clr>
+            <a:srgbClr val="A4A3A4"/>
+          </p15:clr>
+        </p15:guide>
+        <p15:guide id="2" pos="4032">
+          <p15:clr>
+            <a:srgbClr val="A4A3A4"/>
+          </p15:clr>
+        </p15:guide>
+      </p15:sldGuideLst>
+    </p:ext>
+  </p:extLst>
 </p:presentation>
 </file>
 
@@ -346,7 +362,7 @@
           <a:p>
             <a:fld id="{390729C4-7421-4338-A687-3F340CA16BC2}" type="datetimeFigureOut">
               <a:rPr lang="en-US" smtClean="0"/>
-              <a:t>5/2/2017</a:t>
+              <a:t>5/10/2017</a:t>
             </a:fld>
             <a:endParaRPr lang="en-US"/>
           </a:p>
@@ -516,7 +532,7 @@
           <a:p>
             <a:fld id="{390729C4-7421-4338-A687-3F340CA16BC2}" type="datetimeFigureOut">
               <a:rPr lang="en-US" smtClean="0"/>
-              <a:t>5/2/2017</a:t>
+              <a:t>5/10/2017</a:t>
             </a:fld>
             <a:endParaRPr lang="en-US"/>
           </a:p>
@@ -696,7 +712,7 @@
           <a:p>
             <a:fld id="{390729C4-7421-4338-A687-3F340CA16BC2}" type="datetimeFigureOut">
               <a:rPr lang="en-US" smtClean="0"/>
-              <a:t>5/2/2017</a:t>
+              <a:t>5/10/2017</a:t>
             </a:fld>
             <a:endParaRPr lang="en-US"/>
           </a:p>
@@ -866,7 +882,7 @@
           <a:p>
             <a:fld id="{390729C4-7421-4338-A687-3F340CA16BC2}" type="datetimeFigureOut">
               <a:rPr lang="en-US" smtClean="0"/>
-              <a:t>5/2/2017</a:t>
+              <a:t>5/10/2017</a:t>
             </a:fld>
             <a:endParaRPr lang="en-US"/>
           </a:p>
@@ -1121,7 +1137,7 @@
           <a:p>
             <a:fld id="{390729C4-7421-4338-A687-3F340CA16BC2}" type="datetimeFigureOut">
               <a:rPr lang="en-US" smtClean="0"/>
-              <a:t>5/2/2017</a:t>
+              <a:t>5/10/2017</a:t>
             </a:fld>
             <a:endParaRPr lang="en-US"/>
           </a:p>
@@ -1409,7 +1425,7 @@
           <a:p>
             <a:fld id="{390729C4-7421-4338-A687-3F340CA16BC2}" type="datetimeFigureOut">
               <a:rPr lang="en-US" smtClean="0"/>
-              <a:t>5/2/2017</a:t>
+              <a:t>5/10/2017</a:t>
             </a:fld>
             <a:endParaRPr lang="en-US"/>
           </a:p>
@@ -1831,7 +1847,7 @@
           <a:p>
             <a:fld id="{390729C4-7421-4338-A687-3F340CA16BC2}" type="datetimeFigureOut">
               <a:rPr lang="en-US" smtClean="0"/>
-              <a:t>5/2/2017</a:t>
+              <a:t>5/10/2017</a:t>
             </a:fld>
             <a:endParaRPr lang="en-US"/>
           </a:p>
@@ -1949,7 +1965,7 @@
           <a:p>
             <a:fld id="{390729C4-7421-4338-A687-3F340CA16BC2}" type="datetimeFigureOut">
               <a:rPr lang="en-US" smtClean="0"/>
-              <a:t>5/2/2017</a:t>
+              <a:t>5/10/2017</a:t>
             </a:fld>
             <a:endParaRPr lang="en-US"/>
           </a:p>
@@ -2044,7 +2060,7 @@
           <a:p>
             <a:fld id="{390729C4-7421-4338-A687-3F340CA16BC2}" type="datetimeFigureOut">
               <a:rPr lang="en-US" smtClean="0"/>
-              <a:t>5/2/2017</a:t>
+              <a:t>5/10/2017</a:t>
             </a:fld>
             <a:endParaRPr lang="en-US"/>
           </a:p>
@@ -2321,7 +2337,7 @@
           <a:p>
             <a:fld id="{390729C4-7421-4338-A687-3F340CA16BC2}" type="datetimeFigureOut">
               <a:rPr lang="en-US" smtClean="0"/>
-              <a:t>5/2/2017</a:t>
+              <a:t>5/10/2017</a:t>
             </a:fld>
             <a:endParaRPr lang="en-US"/>
           </a:p>
@@ -2574,7 +2590,7 @@
           <a:p>
             <a:fld id="{390729C4-7421-4338-A687-3F340CA16BC2}" type="datetimeFigureOut">
               <a:rPr lang="en-US" smtClean="0"/>
-              <a:t>5/2/2017</a:t>
+              <a:t>5/10/2017</a:t>
             </a:fld>
             <a:endParaRPr lang="en-US"/>
           </a:p>
@@ -5086,6 +5102,148 @@
           <a:chExt cx="0" cy="0"/>
         </a:xfrm>
       </p:grpSpPr>
+      <p:grpSp>
+        <p:nvGrpSpPr>
+          <p:cNvPr id="37" name="Group 36"/>
+          <p:cNvGrpSpPr/>
+          <p:nvPr/>
+        </p:nvGrpSpPr>
+        <p:grpSpPr>
+          <a:xfrm>
+            <a:off x="7179191" y="2720788"/>
+            <a:ext cx="1736686" cy="1224135"/>
+            <a:chOff x="1428001" y="2337046"/>
+            <a:chExt cx="2168734" cy="1224135"/>
+          </a:xfrm>
+        </p:grpSpPr>
+        <p:sp>
+          <p:nvSpPr>
+            <p:cNvPr id="38" name="TextBox 37"/>
+            <p:cNvSpPr txBox="1"/>
+            <p:nvPr/>
+          </p:nvSpPr>
+          <p:spPr>
+            <a:xfrm>
+              <a:off x="1428001" y="2337046"/>
+              <a:ext cx="2168734" cy="360040"/>
+            </a:xfrm>
+            <a:prstGeom prst="rect">
+              <a:avLst/>
+            </a:prstGeom>
+          </p:spPr>
+          <p:style>
+            <a:lnRef idx="1">
+              <a:schemeClr val="accent1"/>
+            </a:lnRef>
+            <a:fillRef idx="2">
+              <a:schemeClr val="accent1"/>
+            </a:fillRef>
+            <a:effectRef idx="1">
+              <a:schemeClr val="accent1"/>
+            </a:effectRef>
+            <a:fontRef idx="minor">
+              <a:schemeClr val="dk1"/>
+            </a:fontRef>
+          </p:style>
+          <p:txBody>
+            <a:bodyPr wrap="square" rtlCol="0" anchor="ctr">
+              <a:noAutofit/>
+            </a:bodyPr>
+            <a:lstStyle/>
+            <a:p>
+              <a:pPr lvl="0" algn="ctr"/>
+              <a:r>
+                <a:rPr lang="en-US" sz="1200" b="1" dirty="0" err="1" smtClean="0"/>
+                <a:t>DbEntityInstance</a:t>
+              </a:r>
+              <a:endParaRPr lang="en-US" sz="1200" b="1" dirty="0"/>
+            </a:p>
+          </p:txBody>
+        </p:sp>
+        <p:sp>
+          <p:nvSpPr>
+            <p:cNvPr id="42" name="TextBox 41"/>
+            <p:cNvSpPr txBox="1"/>
+            <p:nvPr/>
+          </p:nvSpPr>
+          <p:spPr>
+            <a:xfrm>
+              <a:off x="1428001" y="2704727"/>
+              <a:ext cx="2168734" cy="856454"/>
+            </a:xfrm>
+            <a:prstGeom prst="rect">
+              <a:avLst/>
+            </a:prstGeom>
+          </p:spPr>
+          <p:style>
+            <a:lnRef idx="1">
+              <a:schemeClr val="accent1"/>
+            </a:lnRef>
+            <a:fillRef idx="2">
+              <a:schemeClr val="accent1"/>
+            </a:fillRef>
+            <a:effectRef idx="1">
+              <a:schemeClr val="accent1"/>
+            </a:effectRef>
+            <a:fontRef idx="minor">
+              <a:schemeClr val="dk1"/>
+            </a:fontRef>
+          </p:style>
+          <p:txBody>
+            <a:bodyPr wrap="square" rtlCol="0" anchor="t">
+              <a:noAutofit/>
+            </a:bodyPr>
+            <a:lstStyle/>
+            <a:p>
+              <a:pPr marL="171450" lvl="0" indent="-171450">
+                <a:buFontTx/>
+                <a:buChar char="-"/>
+              </a:pPr>
+              <a:endParaRPr lang="en-GB" sz="1100" dirty="0" smtClean="0"/>
+            </a:p>
+            <a:p>
+              <a:pPr marL="171450" lvl="0" indent="-171450">
+                <a:buFont typeface="Arial" charset="0"/>
+                <a:buChar char="•"/>
+              </a:pPr>
+              <a:r>
+                <a:rPr lang="en-GB" sz="1100" dirty="0" err="1" smtClean="0"/>
+                <a:t>setId</a:t>
+              </a:r>
+              <a:r>
+                <a:rPr lang="en-GB" sz="1100" dirty="0" smtClean="0"/>
+                <a:t>()</a:t>
+              </a:r>
+            </a:p>
+            <a:p>
+              <a:pPr marL="171450" lvl="0" indent="-171450">
+                <a:buFont typeface="Arial" charset="0"/>
+                <a:buChar char="•"/>
+              </a:pPr>
+              <a:r>
+                <a:rPr lang="fr-CH" sz="1100" dirty="0" err="1" smtClean="0"/>
+                <a:t>isNew</a:t>
+              </a:r>
+              <a:r>
+                <a:rPr lang="fr-CH" sz="1100" dirty="0" smtClean="0"/>
+                <a:t>()</a:t>
+              </a:r>
+              <a:endParaRPr lang="en-GB" sz="1100" dirty="0" smtClean="0"/>
+            </a:p>
+            <a:p>
+              <a:pPr marL="171450" lvl="0" indent="-171450">
+                <a:buFont typeface="Arial" charset="0"/>
+                <a:buChar char="•"/>
+              </a:pPr>
+              <a:endParaRPr lang="en-GB" sz="1100" dirty="0" smtClean="0"/>
+            </a:p>
+            <a:p>
+              <a:pPr lvl="0"/>
+              <a:endParaRPr lang="en-US" sz="1100" dirty="0"/>
+            </a:p>
+          </p:txBody>
+        </p:sp>
+      </p:grpSp>
       <p:sp>
         <p:nvSpPr>
           <p:cNvPr id="2" name="Title 1"/>
@@ -5117,7 +5275,7 @@
         </p:nvGrpSpPr>
         <p:grpSpPr>
           <a:xfrm>
-            <a:off x="2139587" y="3633191"/>
+            <a:off x="1556145" y="3712840"/>
             <a:ext cx="1736686" cy="1224135"/>
             <a:chOff x="1428001" y="2337046"/>
             <a:chExt cx="2168734" cy="1224135"/>
@@ -5490,9 +5648,9 @@
           <p:nvPr/>
         </p:nvCxnSpPr>
         <p:spPr>
-          <a:xfrm flipV="1">
-            <a:off x="3004999" y="4857326"/>
-            <a:ext cx="2931" cy="1527451"/>
+          <a:xfrm flipH="1" flipV="1">
+            <a:off x="2424488" y="4936975"/>
+            <a:ext cx="580511" cy="1447802"/>
           </a:xfrm>
           <a:prstGeom prst="straightConnector1">
             <a:avLst/>
@@ -5527,7 +5685,7 @@
         </p:nvGrpSpPr>
         <p:grpSpPr>
           <a:xfrm>
-            <a:off x="6392306" y="4809018"/>
+            <a:off x="6400800" y="6292379"/>
             <a:ext cx="1736686" cy="1224135"/>
             <a:chOff x="1428001" y="2337046"/>
             <a:chExt cx="2168734" cy="1224135"/>
@@ -5663,8 +5821,8 @@
         </p:nvCxnSpPr>
         <p:spPr>
           <a:xfrm flipV="1">
-            <a:off x="3873342" y="5604926"/>
-            <a:ext cx="2518964" cy="1575759"/>
+            <a:off x="3873342" y="7088287"/>
+            <a:ext cx="2527458" cy="92398"/>
           </a:xfrm>
           <a:prstGeom prst="bentConnector3">
             <a:avLst>
@@ -5796,7 +5954,7 @@
         </p:nvGrpSpPr>
         <p:grpSpPr>
           <a:xfrm>
-            <a:off x="2143834" y="1632248"/>
+            <a:off x="779929" y="1253107"/>
             <a:ext cx="1736686" cy="1224135"/>
             <a:chOff x="1428001" y="2337046"/>
             <a:chExt cx="2168734" cy="1224135"/>
@@ -5939,9 +6097,9 @@
           <p:nvPr/>
         </p:nvCxnSpPr>
         <p:spPr>
-          <a:xfrm flipV="1">
-            <a:off x="3007930" y="2856383"/>
-            <a:ext cx="4247" cy="776808"/>
+          <a:xfrm flipH="1" flipV="1">
+            <a:off x="1648272" y="2477242"/>
+            <a:ext cx="776216" cy="1235598"/>
           </a:xfrm>
           <a:prstGeom prst="straightConnector1">
             <a:avLst/>
@@ -6163,6 +6321,497 @@
           </a:p>
         </p:txBody>
       </p:sp>
+      <p:grpSp>
+        <p:nvGrpSpPr>
+          <p:cNvPr id="30" name="Group 29"/>
+          <p:cNvGrpSpPr/>
+          <p:nvPr/>
+        </p:nvGrpSpPr>
+        <p:grpSpPr>
+          <a:xfrm>
+            <a:off x="6470724" y="641039"/>
+            <a:ext cx="1736686" cy="1224135"/>
+            <a:chOff x="1428001" y="2337046"/>
+            <a:chExt cx="2168734" cy="1224135"/>
+          </a:xfrm>
+        </p:grpSpPr>
+        <p:sp>
+          <p:nvSpPr>
+            <p:cNvPr id="33" name="TextBox 32"/>
+            <p:cNvSpPr txBox="1"/>
+            <p:nvPr/>
+          </p:nvSpPr>
+          <p:spPr>
+            <a:xfrm>
+              <a:off x="1428001" y="2337046"/>
+              <a:ext cx="2168734" cy="360040"/>
+            </a:xfrm>
+            <a:prstGeom prst="rect">
+              <a:avLst/>
+            </a:prstGeom>
+          </p:spPr>
+          <p:style>
+            <a:lnRef idx="1">
+              <a:schemeClr val="accent5"/>
+            </a:lnRef>
+            <a:fillRef idx="2">
+              <a:schemeClr val="accent5"/>
+            </a:fillRef>
+            <a:effectRef idx="1">
+              <a:schemeClr val="accent5"/>
+            </a:effectRef>
+            <a:fontRef idx="minor">
+              <a:schemeClr val="dk1"/>
+            </a:fontRef>
+          </p:style>
+          <p:txBody>
+            <a:bodyPr wrap="square" rtlCol="0" anchor="ctr">
+              <a:noAutofit/>
+            </a:bodyPr>
+            <a:lstStyle/>
+            <a:p>
+              <a:pPr lvl="0" algn="ctr"/>
+              <a:r>
+                <a:rPr lang="en-GB" sz="1050" dirty="0" smtClean="0"/>
+                <a:t>&lt;&lt;interface&gt;&gt;</a:t>
+              </a:r>
+              <a:endParaRPr lang="en-US" sz="1050" dirty="0" smtClean="0"/>
+            </a:p>
+            <a:p>
+              <a:pPr lvl="0" algn="ctr"/>
+              <a:r>
+                <a:rPr lang="en-US" sz="1200" b="1" dirty="0" err="1" smtClean="0"/>
+                <a:t>DbEntity</a:t>
+              </a:r>
+              <a:endParaRPr lang="en-US" sz="1200" b="1" dirty="0"/>
+            </a:p>
+          </p:txBody>
+        </p:sp>
+        <p:sp>
+          <p:nvSpPr>
+            <p:cNvPr id="36" name="TextBox 35"/>
+            <p:cNvSpPr txBox="1"/>
+            <p:nvPr/>
+          </p:nvSpPr>
+          <p:spPr>
+            <a:xfrm>
+              <a:off x="1428001" y="2704727"/>
+              <a:ext cx="2168734" cy="856454"/>
+            </a:xfrm>
+            <a:prstGeom prst="rect">
+              <a:avLst/>
+            </a:prstGeom>
+          </p:spPr>
+          <p:style>
+            <a:lnRef idx="1">
+              <a:schemeClr val="accent5"/>
+            </a:lnRef>
+            <a:fillRef idx="2">
+              <a:schemeClr val="accent5"/>
+            </a:fillRef>
+            <a:effectRef idx="1">
+              <a:schemeClr val="accent5"/>
+            </a:effectRef>
+            <a:fontRef idx="minor">
+              <a:schemeClr val="dk1"/>
+            </a:fontRef>
+          </p:style>
+          <p:txBody>
+            <a:bodyPr wrap="square" rtlCol="0" anchor="t">
+              <a:noAutofit/>
+            </a:bodyPr>
+            <a:lstStyle/>
+            <a:p>
+              <a:pPr marL="171450" lvl="0" indent="-171450">
+                <a:buFontTx/>
+                <a:buChar char="-"/>
+              </a:pPr>
+              <a:endParaRPr lang="en-GB" sz="1100" dirty="0" smtClean="0"/>
+            </a:p>
+            <a:p>
+              <a:pPr marL="171450" lvl="0" indent="-171450">
+                <a:buFont typeface="Arial" charset="0"/>
+                <a:buChar char="•"/>
+              </a:pPr>
+              <a:r>
+                <a:rPr lang="en-GB" sz="1100" dirty="0" err="1"/>
+                <a:t>g</a:t>
+              </a:r>
+              <a:r>
+                <a:rPr lang="en-GB" sz="1100" dirty="0" err="1" smtClean="0"/>
+                <a:t>etId</a:t>
+              </a:r>
+              <a:r>
+                <a:rPr lang="en-GB" sz="1100" dirty="0" smtClean="0"/>
+                <a:t>()</a:t>
+              </a:r>
+            </a:p>
+            <a:p>
+              <a:pPr marL="171450" lvl="0" indent="-171450">
+                <a:buFont typeface="Arial" charset="0"/>
+                <a:buChar char="•"/>
+              </a:pPr>
+              <a:r>
+                <a:rPr lang="fr-CH" sz="1100" dirty="0" err="1" smtClean="0"/>
+                <a:t>getDbEntity</a:t>
+              </a:r>
+              <a:r>
+                <a:rPr lang="fr-CH" sz="1100" dirty="0" smtClean="0"/>
+                <a:t>()</a:t>
+              </a:r>
+              <a:endParaRPr lang="en-GB" sz="1100" dirty="0" smtClean="0"/>
+            </a:p>
+            <a:p>
+              <a:pPr marL="171450" lvl="0" indent="-171450">
+                <a:buFont typeface="Arial" charset="0"/>
+                <a:buChar char="•"/>
+              </a:pPr>
+              <a:endParaRPr lang="en-GB" sz="1100" dirty="0" smtClean="0"/>
+            </a:p>
+            <a:p>
+              <a:pPr lvl="0"/>
+              <a:endParaRPr lang="en-US" sz="1100" dirty="0"/>
+            </a:p>
+          </p:txBody>
+        </p:sp>
+      </p:grpSp>
+      <p:cxnSp>
+        <p:nvCxnSpPr>
+          <p:cNvPr id="47" name="Straight Arrow Connector 46"/>
+          <p:cNvCxnSpPr>
+            <a:stCxn id="38" idx="0"/>
+            <a:endCxn id="36" idx="2"/>
+          </p:cNvCxnSpPr>
+          <p:nvPr/>
+        </p:nvCxnSpPr>
+        <p:spPr>
+          <a:xfrm rot="16200000" flipV="1">
+            <a:off x="7265494" y="1938747"/>
+            <a:ext cx="855614" cy="708467"/>
+          </a:xfrm>
+          <a:prstGeom prst="bentConnector3">
+            <a:avLst>
+              <a:gd name="adj1" fmla="val 50000"/>
+            </a:avLst>
+          </a:prstGeom>
+          <a:ln w="50800" cmpd="sng">
+            <a:solidFill>
+              <a:srgbClr val="7099CA"/>
+            </a:solidFill>
+            <a:tailEnd type="triangle" w="lg" len="lg"/>
+          </a:ln>
+        </p:spPr>
+        <p:style>
+          <a:lnRef idx="1">
+            <a:schemeClr val="accent1"/>
+          </a:lnRef>
+          <a:fillRef idx="0">
+            <a:schemeClr val="accent1"/>
+          </a:fillRef>
+          <a:effectRef idx="0">
+            <a:schemeClr val="accent1"/>
+          </a:effectRef>
+          <a:fontRef idx="minor">
+            <a:schemeClr val="tx1"/>
+          </a:fontRef>
+        </p:style>
+      </p:cxnSp>
+      <p:grpSp>
+        <p:nvGrpSpPr>
+          <p:cNvPr id="50" name="Group 49"/>
+          <p:cNvGrpSpPr/>
+          <p:nvPr/>
+        </p:nvGrpSpPr>
+        <p:grpSpPr>
+          <a:xfrm>
+            <a:off x="8561040" y="641039"/>
+            <a:ext cx="1736686" cy="1224135"/>
+            <a:chOff x="1428001" y="2337046"/>
+            <a:chExt cx="2168734" cy="1224135"/>
+          </a:xfrm>
+        </p:grpSpPr>
+        <p:sp>
+          <p:nvSpPr>
+            <p:cNvPr id="51" name="TextBox 50"/>
+            <p:cNvSpPr txBox="1"/>
+            <p:nvPr/>
+          </p:nvSpPr>
+          <p:spPr>
+            <a:xfrm>
+              <a:off x="1428001" y="2337046"/>
+              <a:ext cx="2168734" cy="360040"/>
+            </a:xfrm>
+            <a:prstGeom prst="rect">
+              <a:avLst/>
+            </a:prstGeom>
+          </p:spPr>
+          <p:style>
+            <a:lnRef idx="1">
+              <a:schemeClr val="accent1"/>
+            </a:lnRef>
+            <a:fillRef idx="2">
+              <a:schemeClr val="accent1"/>
+            </a:fillRef>
+            <a:effectRef idx="1">
+              <a:schemeClr val="accent1"/>
+            </a:effectRef>
+            <a:fontRef idx="minor">
+              <a:schemeClr val="dk1"/>
+            </a:fontRef>
+          </p:style>
+          <p:txBody>
+            <a:bodyPr wrap="square" rtlCol="0" anchor="ctr">
+              <a:noAutofit/>
+            </a:bodyPr>
+            <a:lstStyle/>
+            <a:p>
+              <a:pPr lvl="0" algn="ctr"/>
+              <a:r>
+                <a:rPr lang="en-US" sz="1200" b="1" dirty="0" smtClean="0"/>
+                <a:t>Model</a:t>
+              </a:r>
+            </a:p>
+          </p:txBody>
+        </p:sp>
+        <p:sp>
+          <p:nvSpPr>
+            <p:cNvPr id="52" name="TextBox 51"/>
+            <p:cNvSpPr txBox="1"/>
+            <p:nvPr/>
+          </p:nvSpPr>
+          <p:spPr>
+            <a:xfrm>
+              <a:off x="1428001" y="2704727"/>
+              <a:ext cx="2168734" cy="856454"/>
+            </a:xfrm>
+            <a:prstGeom prst="rect">
+              <a:avLst/>
+            </a:prstGeom>
+          </p:spPr>
+          <p:style>
+            <a:lnRef idx="1">
+              <a:schemeClr val="accent1"/>
+            </a:lnRef>
+            <a:fillRef idx="2">
+              <a:schemeClr val="accent1"/>
+            </a:fillRef>
+            <a:effectRef idx="1">
+              <a:schemeClr val="accent1"/>
+            </a:effectRef>
+            <a:fontRef idx="minor">
+              <a:schemeClr val="dk1"/>
+            </a:fontRef>
+          </p:style>
+          <p:txBody>
+            <a:bodyPr wrap="square" rtlCol="0" anchor="t">
+              <a:noAutofit/>
+            </a:bodyPr>
+            <a:lstStyle/>
+            <a:p>
+              <a:pPr marL="171450" lvl="0" indent="-171450">
+                <a:buFontTx/>
+                <a:buChar char="-"/>
+              </a:pPr>
+              <a:endParaRPr lang="en-GB" sz="1100" dirty="0" smtClean="0"/>
+            </a:p>
+            <a:p>
+              <a:pPr marL="171450" lvl="0" indent="-171450">
+                <a:buFont typeface="Arial" charset="0"/>
+                <a:buChar char="•"/>
+              </a:pPr>
+              <a:r>
+                <a:rPr lang="en-GB" sz="1100" dirty="0" smtClean="0"/>
+                <a:t>()</a:t>
+              </a:r>
+            </a:p>
+            <a:p>
+              <a:pPr marL="171450" lvl="0" indent="-171450">
+                <a:buFont typeface="Arial" charset="0"/>
+                <a:buChar char="•"/>
+              </a:pPr>
+              <a:endParaRPr lang="en-GB" sz="1100" dirty="0" smtClean="0"/>
+            </a:p>
+            <a:p>
+              <a:pPr lvl="0"/>
+              <a:endParaRPr lang="en-US" sz="1100" dirty="0"/>
+            </a:p>
+          </p:txBody>
+        </p:sp>
+      </p:grpSp>
+      <p:cxnSp>
+        <p:nvCxnSpPr>
+          <p:cNvPr id="53" name="Straight Arrow Connector 46"/>
+          <p:cNvCxnSpPr>
+            <a:stCxn id="38" idx="0"/>
+            <a:endCxn id="52" idx="2"/>
+          </p:cNvCxnSpPr>
+          <p:nvPr/>
+        </p:nvCxnSpPr>
+        <p:spPr>
+          <a:xfrm rot="5400000" flipH="1" flipV="1">
+            <a:off x="8310651" y="1602057"/>
+            <a:ext cx="855614" cy="1381849"/>
+          </a:xfrm>
+          <a:prstGeom prst="bentConnector3">
+            <a:avLst>
+              <a:gd name="adj1" fmla="val 50000"/>
+            </a:avLst>
+          </a:prstGeom>
+          <a:ln w="50800" cmpd="sng">
+            <a:solidFill>
+              <a:srgbClr val="7099CA"/>
+            </a:solidFill>
+            <a:tailEnd type="triangle" w="lg" len="lg"/>
+          </a:ln>
+        </p:spPr>
+        <p:style>
+          <a:lnRef idx="1">
+            <a:schemeClr val="accent1"/>
+          </a:lnRef>
+          <a:fillRef idx="0">
+            <a:schemeClr val="accent1"/>
+          </a:fillRef>
+          <a:effectRef idx="0">
+            <a:schemeClr val="accent1"/>
+          </a:effectRef>
+          <a:fontRef idx="minor">
+            <a:schemeClr val="tx1"/>
+          </a:fontRef>
+        </p:style>
+      </p:cxnSp>
+      <p:grpSp>
+        <p:nvGrpSpPr>
+          <p:cNvPr id="67" name="Group 66"/>
+          <p:cNvGrpSpPr/>
+          <p:nvPr/>
+        </p:nvGrpSpPr>
+        <p:grpSpPr>
+          <a:xfrm>
+            <a:off x="8915877" y="4588397"/>
+            <a:ext cx="1736686" cy="1224135"/>
+            <a:chOff x="1428001" y="2337046"/>
+            <a:chExt cx="2168734" cy="1224135"/>
+          </a:xfrm>
+        </p:grpSpPr>
+        <p:sp>
+          <p:nvSpPr>
+            <p:cNvPr id="68" name="TextBox 67"/>
+            <p:cNvSpPr txBox="1"/>
+            <p:nvPr/>
+          </p:nvSpPr>
+          <p:spPr>
+            <a:xfrm>
+              <a:off x="1428001" y="2337046"/>
+              <a:ext cx="2168734" cy="360040"/>
+            </a:xfrm>
+            <a:prstGeom prst="rect">
+              <a:avLst/>
+            </a:prstGeom>
+          </p:spPr>
+          <p:style>
+            <a:lnRef idx="1">
+              <a:schemeClr val="accent1"/>
+            </a:lnRef>
+            <a:fillRef idx="2">
+              <a:schemeClr val="accent1"/>
+            </a:fillRef>
+            <a:effectRef idx="1">
+              <a:schemeClr val="accent1"/>
+            </a:effectRef>
+            <a:fontRef idx="minor">
+              <a:schemeClr val="dk1"/>
+            </a:fontRef>
+          </p:style>
+          <p:txBody>
+            <a:bodyPr wrap="square" rtlCol="0" anchor="ctr">
+              <a:noAutofit/>
+            </a:bodyPr>
+            <a:lstStyle/>
+            <a:p>
+              <a:pPr lvl="0" algn="ctr"/>
+              <a:r>
+                <a:rPr lang="en-US" sz="1200" b="1" dirty="0" smtClean="0"/>
+                <a:t>Class name</a:t>
+              </a:r>
+              <a:endParaRPr lang="en-US" sz="1200" b="1" dirty="0"/>
+            </a:p>
+          </p:txBody>
+        </p:sp>
+        <p:sp>
+          <p:nvSpPr>
+            <p:cNvPr id="69" name="TextBox 68"/>
+            <p:cNvSpPr txBox="1"/>
+            <p:nvPr/>
+          </p:nvSpPr>
+          <p:spPr>
+            <a:xfrm>
+              <a:off x="1428001" y="2704727"/>
+              <a:ext cx="2168734" cy="856454"/>
+            </a:xfrm>
+            <a:prstGeom prst="rect">
+              <a:avLst/>
+            </a:prstGeom>
+          </p:spPr>
+          <p:style>
+            <a:lnRef idx="1">
+              <a:schemeClr val="accent1"/>
+            </a:lnRef>
+            <a:fillRef idx="2">
+              <a:schemeClr val="accent1"/>
+            </a:fillRef>
+            <a:effectRef idx="1">
+              <a:schemeClr val="accent1"/>
+            </a:effectRef>
+            <a:fontRef idx="minor">
+              <a:schemeClr val="dk1"/>
+            </a:fontRef>
+          </p:style>
+          <p:txBody>
+            <a:bodyPr wrap="square" rtlCol="0" anchor="t">
+              <a:noAutofit/>
+            </a:bodyPr>
+            <a:lstStyle/>
+            <a:p>
+              <a:pPr marL="171450" lvl="0" indent="-171450">
+                <a:buFontTx/>
+                <a:buChar char="-"/>
+              </a:pPr>
+              <a:r>
+                <a:rPr lang="en-GB" sz="1100" dirty="0" smtClean="0"/>
+                <a:t>Key Attributes</a:t>
+              </a:r>
+            </a:p>
+            <a:p>
+              <a:pPr marL="171450" lvl="0" indent="-171450">
+                <a:buFontTx/>
+                <a:buChar char="-"/>
+              </a:pPr>
+              <a:endParaRPr lang="en-GB" sz="1100" dirty="0" smtClean="0"/>
+            </a:p>
+            <a:p>
+              <a:pPr marL="171450" lvl="0" indent="-171450">
+                <a:buFont typeface="Arial" charset="0"/>
+                <a:buChar char="•"/>
+              </a:pPr>
+              <a:r>
+                <a:rPr lang="en-GB" sz="1100" dirty="0" smtClean="0"/>
+                <a:t>Key Methods</a:t>
+              </a:r>
+            </a:p>
+            <a:p>
+              <a:pPr marL="171450" lvl="0" indent="-171450">
+                <a:buFont typeface="Arial" charset="0"/>
+                <a:buChar char="•"/>
+              </a:pPr>
+              <a:endParaRPr lang="en-GB" sz="1100" dirty="0" smtClean="0"/>
+            </a:p>
+            <a:p>
+              <a:pPr lvl="0"/>
+              <a:endParaRPr lang="en-US" sz="1100" dirty="0"/>
+            </a:p>
+          </p:txBody>
+        </p:sp>
+      </p:grpSp>
     </p:spTree>
     <p:extLst>
       <p:ext uri="{BB962C8B-B14F-4D97-AF65-F5344CB8AC3E}">
@@ -6173,6 +6822,13 @@
   <p:clrMapOvr>
     <a:masterClrMapping/>
   </p:clrMapOvr>
+  <p:timing>
+    <p:tnLst>
+      <p:par>
+        <p:cTn id="1" dur="indefinite" restart="never" nodeType="tmRoot"/>
+      </p:par>
+    </p:tnLst>
+  </p:timing>
 </p:sld>
 </file>
 
